--- a/Documentação/Orientações/Orientações - sprint 3.pptx
+++ b/Documentação/Orientações/Orientações - sprint 3.pptx
@@ -845,7 +845,7 @@
             <a:fld id="{B61BEF0D-F0BB-DE4B-95CE-6DB70DBA9567}" type="datetimeFigureOut">
               <a:rPr lang="en-US" dirty="0"/>
               <a:pPr/>
-              <a:t>11/5/2020</a:t>
+              <a:t>11/6/2020</a:t>
             </a:fld>
             <a:endParaRPr lang="en-US" dirty="0"/>
           </a:p>
@@ -888,7 +888,7 @@
             <a:fld id="{D57F1E4F-1CFF-5643-939E-217C01CDF565}" type="slidenum">
               <a:rPr lang="en-US" dirty="0"/>
               <a:pPr/>
-              <a:t>‹#›</a:t>
+              <a:t>‹nº›</a:t>
             </a:fld>
             <a:endParaRPr lang="en-US" dirty="0"/>
           </a:p>
@@ -1097,7 +1097,7 @@
             <a:fld id="{B61BEF0D-F0BB-DE4B-95CE-6DB70DBA9567}" type="datetimeFigureOut">
               <a:rPr lang="en-US" dirty="0"/>
               <a:pPr/>
-              <a:t>11/5/2020</a:t>
+              <a:t>11/6/2020</a:t>
             </a:fld>
             <a:endParaRPr lang="en-US" dirty="0"/>
           </a:p>
@@ -1140,7 +1140,7 @@
             <a:fld id="{D57F1E4F-1CFF-5643-939E-217C01CDF565}" type="slidenum">
               <a:rPr lang="en-US" dirty="0"/>
               <a:pPr/>
-              <a:t>‹#›</a:t>
+              <a:t>‹nº›</a:t>
             </a:fld>
             <a:endParaRPr lang="en-US" dirty="0"/>
           </a:p>
@@ -1412,7 +1412,7 @@
             <a:fld id="{B61BEF0D-F0BB-DE4B-95CE-6DB70DBA9567}" type="datetimeFigureOut">
               <a:rPr lang="en-US" dirty="0"/>
               <a:pPr/>
-              <a:t>11/5/2020</a:t>
+              <a:t>11/6/2020</a:t>
             </a:fld>
             <a:endParaRPr lang="en-US" dirty="0"/>
           </a:p>
@@ -1455,7 +1455,7 @@
             <a:fld id="{D57F1E4F-1CFF-5643-939E-217C01CDF565}" type="slidenum">
               <a:rPr lang="en-US" dirty="0"/>
               <a:pPr/>
-              <a:t>‹#›</a:t>
+              <a:t>‹nº›</a:t>
             </a:fld>
             <a:endParaRPr lang="en-US" dirty="0"/>
           </a:p>
@@ -1754,7 +1754,7 @@
             <a:fld id="{B61BEF0D-F0BB-DE4B-95CE-6DB70DBA9567}" type="datetimeFigureOut">
               <a:rPr lang="en-US" dirty="0"/>
               <a:pPr/>
-              <a:t>11/5/2020</a:t>
+              <a:t>11/6/2020</a:t>
             </a:fld>
             <a:endParaRPr lang="en-US" dirty="0"/>
           </a:p>
@@ -1797,7 +1797,7 @@
             <a:fld id="{D57F1E4F-1CFF-5643-939E-217C01CDF565}" type="slidenum">
               <a:rPr lang="en-US" dirty="0"/>
               <a:pPr/>
-              <a:t>‹#›</a:t>
+              <a:t>‹nº›</a:t>
             </a:fld>
             <a:endParaRPr lang="en-US" dirty="0"/>
           </a:p>
@@ -2069,7 +2069,7 @@
             <a:fld id="{B61BEF0D-F0BB-DE4B-95CE-6DB70DBA9567}" type="datetimeFigureOut">
               <a:rPr lang="en-US" dirty="0"/>
               <a:pPr/>
-              <a:t>11/5/2020</a:t>
+              <a:t>11/6/2020</a:t>
             </a:fld>
             <a:endParaRPr lang="en-US" dirty="0"/>
           </a:p>
@@ -2112,7 +2112,7 @@
             <a:fld id="{D57F1E4F-1CFF-5643-939E-217C01CDF565}" type="slidenum">
               <a:rPr lang="en-US" dirty="0"/>
               <a:pPr/>
-              <a:t>‹#›</a:t>
+              <a:t>‹nº›</a:t>
             </a:fld>
             <a:endParaRPr lang="en-US" dirty="0"/>
           </a:p>
@@ -2463,7 +2463,7 @@
             <a:fld id="{B61BEF0D-F0BB-DE4B-95CE-6DB70DBA9567}" type="datetimeFigureOut">
               <a:rPr lang="en-US" dirty="0"/>
               <a:pPr/>
-              <a:t>11/5/2020</a:t>
+              <a:t>11/6/2020</a:t>
             </a:fld>
             <a:endParaRPr lang="en-US" dirty="0"/>
           </a:p>
@@ -2506,7 +2506,7 @@
             <a:fld id="{D57F1E4F-1CFF-5643-939E-217C01CDF565}" type="slidenum">
               <a:rPr lang="en-US" dirty="0"/>
               <a:pPr/>
-              <a:t>‹#›</a:t>
+              <a:t>‹nº›</a:t>
             </a:fld>
             <a:endParaRPr lang="en-US" dirty="0"/>
           </a:p>
@@ -2632,7 +2632,7 @@
           <a:p>
             <a:fld id="{55C6B4A9-1611-4792-9094-5F34BCA07E0B}" type="datetimeFigureOut">
               <a:rPr lang="en-US" dirty="0"/>
-              <a:t>11/5/2020</a:t>
+              <a:t>11/6/2020</a:t>
             </a:fld>
             <a:endParaRPr lang="en-US" dirty="0"/>
           </a:p>
@@ -2674,7 +2674,7 @@
           <a:p>
             <a:fld id="{89333C77-0158-454C-844F-B7AB9BD7DAD4}" type="slidenum">
               <a:rPr lang="en-US" dirty="0"/>
-              <a:t>‹#›</a:t>
+              <a:t>‹nº›</a:t>
             </a:fld>
             <a:endParaRPr lang="en-US" dirty="0"/>
           </a:p>
@@ -2811,7 +2811,7 @@
             <a:fld id="{B61BEF0D-F0BB-DE4B-95CE-6DB70DBA9567}" type="datetimeFigureOut">
               <a:rPr lang="en-US" dirty="0"/>
               <a:pPr/>
-              <a:t>11/5/2020</a:t>
+              <a:t>11/6/2020</a:t>
             </a:fld>
             <a:endParaRPr lang="en-US" dirty="0"/>
           </a:p>
@@ -2854,7 +2854,7 @@
             <a:fld id="{D57F1E4F-1CFF-5643-939E-217C01CDF565}" type="slidenum">
               <a:rPr lang="en-US" dirty="0"/>
               <a:pPr/>
-              <a:t>‹#›</a:t>
+              <a:t>‹nº›</a:t>
             </a:fld>
             <a:endParaRPr lang="en-US" dirty="0"/>
           </a:p>
@@ -2987,7 +2987,7 @@
             <a:fld id="{B61BEF0D-F0BB-DE4B-95CE-6DB70DBA9567}" type="datetimeFigureOut">
               <a:rPr lang="en-US" dirty="0"/>
               <a:pPr/>
-              <a:t>11/5/2020</a:t>
+              <a:t>11/6/2020</a:t>
             </a:fld>
             <a:endParaRPr lang="en-US" dirty="0"/>
           </a:p>
@@ -3030,7 +3030,7 @@
             <a:fld id="{D57F1E4F-1CFF-5643-939E-217C01CDF565}" type="slidenum">
               <a:rPr lang="en-US" dirty="0"/>
               <a:pPr/>
-              <a:t>‹#›</a:t>
+              <a:t>‹nº›</a:t>
             </a:fld>
             <a:endParaRPr lang="en-US" dirty="0"/>
           </a:p>
@@ -3235,7 +3235,7 @@
             <a:fld id="{B61BEF0D-F0BB-DE4B-95CE-6DB70DBA9567}" type="datetimeFigureOut">
               <a:rPr lang="en-US" dirty="0"/>
               <a:pPr/>
-              <a:t>11/5/2020</a:t>
+              <a:t>11/6/2020</a:t>
             </a:fld>
             <a:endParaRPr lang="en-US" dirty="0"/>
           </a:p>
@@ -3278,7 +3278,7 @@
             <a:fld id="{D57F1E4F-1CFF-5643-939E-217C01CDF565}" type="slidenum">
               <a:rPr lang="en-US" dirty="0"/>
               <a:pPr/>
-              <a:t>‹#›</a:t>
+              <a:t>‹nº›</a:t>
             </a:fld>
             <a:endParaRPr lang="en-US" dirty="0"/>
           </a:p>
@@ -3465,7 +3465,7 @@
           <a:p>
             <a:fld id="{EB712588-04B1-427B-82EE-E8DB90309F08}" type="datetimeFigureOut">
               <a:rPr lang="en-US" dirty="0"/>
-              <a:t>11/5/2020</a:t>
+              <a:t>11/6/2020</a:t>
             </a:fld>
             <a:endParaRPr lang="en-US" dirty="0"/>
           </a:p>
@@ -3507,7 +3507,7 @@
           <a:p>
             <a:fld id="{6FF9F0C5-380F-41C2-899A-BAC0F0927E16}" type="slidenum">
               <a:rPr lang="en-US" dirty="0"/>
-              <a:t>‹#›</a:t>
+              <a:t>‹nº›</a:t>
             </a:fld>
             <a:endParaRPr lang="en-US" dirty="0"/>
           </a:p>
@@ -3837,7 +3837,7 @@
             <a:fld id="{B61BEF0D-F0BB-DE4B-95CE-6DB70DBA9567}" type="datetimeFigureOut">
               <a:rPr lang="en-US" dirty="0"/>
               <a:pPr/>
-              <a:t>11/5/2020</a:t>
+              <a:t>11/6/2020</a:t>
             </a:fld>
             <a:endParaRPr lang="en-US" dirty="0"/>
           </a:p>
@@ -3880,7 +3880,7 @@
             <a:fld id="{D57F1E4F-1CFF-5643-939E-217C01CDF565}" type="slidenum">
               <a:rPr lang="en-US" dirty="0"/>
               <a:pPr/>
-              <a:t>‹#›</a:t>
+              <a:t>‹nº›</a:t>
             </a:fld>
             <a:endParaRPr lang="en-US" dirty="0"/>
           </a:p>
@@ -3961,7 +3961,7 @@
             <a:fld id="{B61BEF0D-F0BB-DE4B-95CE-6DB70DBA9567}" type="datetimeFigureOut">
               <a:rPr lang="en-US" dirty="0"/>
               <a:pPr/>
-              <a:t>11/5/2020</a:t>
+              <a:t>11/6/2020</a:t>
             </a:fld>
             <a:endParaRPr lang="en-US" dirty="0"/>
           </a:p>
@@ -4004,7 +4004,7 @@
             <a:fld id="{D57F1E4F-1CFF-5643-939E-217C01CDF565}" type="slidenum">
               <a:rPr lang="en-US" dirty="0"/>
               <a:pPr/>
-              <a:t>‹#›</a:t>
+              <a:t>‹nº›</a:t>
             </a:fld>
             <a:endParaRPr lang="en-US" dirty="0"/>
           </a:p>
@@ -4058,7 +4058,7 @@
             <a:fld id="{B61BEF0D-F0BB-DE4B-95CE-6DB70DBA9567}" type="datetimeFigureOut">
               <a:rPr lang="en-US" dirty="0"/>
               <a:pPr/>
-              <a:t>11/5/2020</a:t>
+              <a:t>11/6/2020</a:t>
             </a:fld>
             <a:endParaRPr lang="en-US" dirty="0"/>
           </a:p>
@@ -4101,7 +4101,7 @@
             <a:fld id="{D57F1E4F-1CFF-5643-939E-217C01CDF565}" type="slidenum">
               <a:rPr lang="en-US" dirty="0"/>
               <a:pPr/>
-              <a:t>‹#›</a:t>
+              <a:t>‹nº›</a:t>
             </a:fld>
             <a:endParaRPr lang="en-US" dirty="0"/>
           </a:p>
@@ -4312,7 +4312,7 @@
           <a:p>
             <a:fld id="{42A54C80-263E-416B-A8E0-580EDEADCBDC}" type="datetimeFigureOut">
               <a:rPr lang="en-US" dirty="0"/>
-              <a:t>11/5/2020</a:t>
+              <a:t>11/6/2020</a:t>
             </a:fld>
             <a:endParaRPr lang="en-US" dirty="0"/>
           </a:p>
@@ -4354,7 +4354,7 @@
           <a:p>
             <a:fld id="{519954A3-9DFD-4C44-94BA-B95130A3BA1C}" type="slidenum">
               <a:rPr lang="en-US" dirty="0"/>
-              <a:t>‹#›</a:t>
+              <a:t>‹nº›</a:t>
             </a:fld>
             <a:endParaRPr lang="en-US" dirty="0"/>
           </a:p>
@@ -4571,7 +4571,7 @@
             <a:fld id="{B61BEF0D-F0BB-DE4B-95CE-6DB70DBA9567}" type="datetimeFigureOut">
               <a:rPr lang="en-US" dirty="0"/>
               <a:pPr/>
-              <a:t>11/5/2020</a:t>
+              <a:t>11/6/2020</a:t>
             </a:fld>
             <a:endParaRPr lang="en-US" dirty="0"/>
           </a:p>
@@ -4614,7 +4614,7 @@
             <a:fld id="{D57F1E4F-1CFF-5643-939E-217C01CDF565}" type="slidenum">
               <a:rPr lang="en-US" dirty="0"/>
               <a:pPr/>
-              <a:t>‹#›</a:t>
+              <a:t>‹nº›</a:t>
             </a:fld>
             <a:endParaRPr lang="en-US" dirty="0"/>
           </a:p>
@@ -5314,7 +5314,7 @@
             <a:fld id="{B61BEF0D-F0BB-DE4B-95CE-6DB70DBA9567}" type="datetimeFigureOut">
               <a:rPr lang="en-US" dirty="0"/>
               <a:pPr/>
-              <a:t>11/5/2020</a:t>
+              <a:t>11/6/2020</a:t>
             </a:fld>
             <a:endParaRPr lang="en-US" dirty="0"/>
           </a:p>
@@ -5391,7 +5391,7 @@
             <a:fld id="{D57F1E4F-1CFF-5643-939E-217C01CDF565}" type="slidenum">
               <a:rPr lang="en-US" dirty="0"/>
               <a:pPr/>
-              <a:t>‹#›</a:t>
+              <a:t>‹nº›</a:t>
             </a:fld>
             <a:endParaRPr lang="en-US" dirty="0"/>
           </a:p>
@@ -6935,36 +6935,6 @@
       </p:pic>
       <p:pic>
         <p:nvPicPr>
-          <p:cNvPr id="73" name="Picture 11" descr="Icon&#10;&#10;Description automatically generated">
-            <a:extLst>
-              <a:ext uri="{FF2B5EF4-FFF2-40B4-BE49-F238E27FC236}">
-                <a16:creationId xmlns:a16="http://schemas.microsoft.com/office/drawing/2014/main" id="{B72BA580-748E-4041-BCED-A475C9E2F247}"/>
-              </a:ext>
-            </a:extLst>
-          </p:cNvPr>
-          <p:cNvPicPr>
-            <a:picLocks noChangeAspect="1"/>
-          </p:cNvPicPr>
-          <p:nvPr/>
-        </p:nvPicPr>
-        <p:blipFill>
-          <a:blip r:embed="rId5"/>
-          <a:stretch>
-            <a:fillRect/>
-          </a:stretch>
-        </p:blipFill>
-        <p:spPr>
-          <a:xfrm>
-            <a:off x="8518066" y="4280702"/>
-            <a:ext cx="283580" cy="273935"/>
-          </a:xfrm>
-          <a:prstGeom prst="rect">
-            <a:avLst/>
-          </a:prstGeom>
-        </p:spPr>
-      </p:pic>
-      <p:pic>
-        <p:nvPicPr>
           <p:cNvPr id="74" name="Picture 11" descr="Icon&#10;&#10;Description automatically generated">
             <a:extLst>
               <a:ext uri="{FF2B5EF4-FFF2-40B4-BE49-F238E27FC236}">
@@ -7285,36 +7255,6 @@
           </a:prstGeom>
         </p:spPr>
       </p:pic>
-      <p:pic>
-        <p:nvPicPr>
-          <p:cNvPr id="31" name="Picture 11" descr="Icon&#10;&#10;Description automatically generated">
-            <a:extLst>
-              <a:ext uri="{FF2B5EF4-FFF2-40B4-BE49-F238E27FC236}">
-                <a16:creationId xmlns:a16="http://schemas.microsoft.com/office/drawing/2014/main" id="{70DE2553-8ABF-4B9A-B77F-7A645FB1B26A}"/>
-              </a:ext>
-            </a:extLst>
-          </p:cNvPr>
-          <p:cNvPicPr>
-            <a:picLocks noChangeAspect="1"/>
-          </p:cNvPicPr>
-          <p:nvPr/>
-        </p:nvPicPr>
-        <p:blipFill>
-          <a:blip r:embed="rId5"/>
-          <a:stretch>
-            <a:fillRect/>
-          </a:stretch>
-        </p:blipFill>
-        <p:spPr>
-          <a:xfrm>
-            <a:off x="4602682" y="3064743"/>
-            <a:ext cx="283580" cy="273935"/>
-          </a:xfrm>
-          <a:prstGeom prst="rect">
-            <a:avLst/>
-          </a:prstGeom>
-        </p:spPr>
-      </p:pic>
       <p:sp>
         <p:nvSpPr>
           <p:cNvPr id="32" name="Rectangle 31">
@@ -7443,6 +7383,132 @@
           <a:xfrm>
             <a:off x="2124196" y="2312298"/>
             <a:ext cx="322162" cy="293226"/>
+          </a:xfrm>
+          <a:prstGeom prst="rect">
+            <a:avLst/>
+          </a:prstGeom>
+        </p:spPr>
+      </p:pic>
+      <p:pic>
+        <p:nvPicPr>
+          <p:cNvPr id="3" name="Picture 9" descr="Icon&#10;&#10;Description automatically generated">
+            <a:extLst>
+              <a:ext uri="{FF2B5EF4-FFF2-40B4-BE49-F238E27FC236}">
+                <a16:creationId xmlns:a16="http://schemas.microsoft.com/office/drawing/2014/main" id="{75A09477-1821-48D3-888E-E69E2A9BC0A8}"/>
+              </a:ext>
+            </a:extLst>
+          </p:cNvPr>
+          <p:cNvPicPr>
+            <a:picLocks noChangeAspect="1"/>
+          </p:cNvPicPr>
+          <p:nvPr/>
+        </p:nvPicPr>
+        <p:blipFill>
+          <a:blip r:embed="rId3"/>
+          <a:stretch>
+            <a:fillRect/>
+          </a:stretch>
+        </p:blipFill>
+        <p:spPr>
+          <a:xfrm>
+            <a:off x="4701908" y="3037692"/>
+            <a:ext cx="360745" cy="351100"/>
+          </a:xfrm>
+          <a:prstGeom prst="rect">
+            <a:avLst/>
+          </a:prstGeom>
+        </p:spPr>
+      </p:pic>
+      <p:pic>
+        <p:nvPicPr>
+          <p:cNvPr id="4" name="Picture 9" descr="Icon&#10;&#10;Description automatically generated">
+            <a:extLst>
+              <a:ext uri="{FF2B5EF4-FFF2-40B4-BE49-F238E27FC236}">
+                <a16:creationId xmlns:a16="http://schemas.microsoft.com/office/drawing/2014/main" id="{DF40A9C4-A237-45F4-9778-55A70ACE371B}"/>
+              </a:ext>
+            </a:extLst>
+          </p:cNvPr>
+          <p:cNvPicPr>
+            <a:picLocks noChangeAspect="1"/>
+          </p:cNvPicPr>
+          <p:nvPr/>
+        </p:nvPicPr>
+        <p:blipFill>
+          <a:blip r:embed="rId3"/>
+          <a:stretch>
+            <a:fillRect/>
+          </a:stretch>
+        </p:blipFill>
+        <p:spPr>
+          <a:xfrm>
+            <a:off x="8592611" y="4238352"/>
+            <a:ext cx="360745" cy="351100"/>
+          </a:xfrm>
+          <a:prstGeom prst="rect">
+            <a:avLst/>
+          </a:prstGeom>
+        </p:spPr>
+      </p:pic>
+      <p:sp>
+        <p:nvSpPr>
+          <p:cNvPr id="5" name="CaixaDeTexto 4">
+            <a:extLst>
+              <a:ext uri="{FF2B5EF4-FFF2-40B4-BE49-F238E27FC236}">
+                <a16:creationId xmlns:a16="http://schemas.microsoft.com/office/drawing/2014/main" id="{E40139CA-1D96-4F4C-B618-34969AB9660F}"/>
+              </a:ext>
+            </a:extLst>
+          </p:cNvPr>
+          <p:cNvSpPr txBox="1"/>
+          <p:nvPr/>
+        </p:nvSpPr>
+        <p:spPr>
+          <a:xfrm>
+            <a:off x="3320735" y="5274690"/>
+            <a:ext cx="1828800" cy="369332"/>
+          </a:xfrm>
+          <a:prstGeom prst="rect">
+            <a:avLst/>
+          </a:prstGeom>
+          <a:noFill/>
+        </p:spPr>
+        <p:txBody>
+          <a:bodyPr wrap="square" rtlCol="0">
+            <a:spAutoFit/>
+          </a:bodyPr>
+          <a:lstStyle/>
+          <a:p>
+            <a:r>
+              <a:rPr lang="en-US" dirty="0"/>
+              <a:t>Banco no Azure</a:t>
+            </a:r>
+            <a:endParaRPr lang="pt-BR" dirty="0"/>
+          </a:p>
+        </p:txBody>
+      </p:sp>
+      <p:pic>
+        <p:nvPicPr>
+          <p:cNvPr id="6" name="Picture 9" descr="Icon&#10;&#10;Description automatically generated">
+            <a:extLst>
+              <a:ext uri="{FF2B5EF4-FFF2-40B4-BE49-F238E27FC236}">
+                <a16:creationId xmlns:a16="http://schemas.microsoft.com/office/drawing/2014/main" id="{F9FBE15F-EFB1-49CE-836A-869D936519D9}"/>
+              </a:ext>
+            </a:extLst>
+          </p:cNvPr>
+          <p:cNvPicPr>
+            <a:picLocks noChangeAspect="1"/>
+          </p:cNvPicPr>
+          <p:nvPr/>
+        </p:nvPicPr>
+        <p:blipFill>
+          <a:blip r:embed="rId3"/>
+          <a:stretch>
+            <a:fillRect/>
+          </a:stretch>
+        </p:blipFill>
+        <p:spPr>
+          <a:xfrm>
+            <a:off x="5077126" y="5301120"/>
+            <a:ext cx="360745" cy="351100"/>
           </a:xfrm>
           <a:prstGeom prst="rect">
             <a:avLst/>

--- a/Documentação/Orientações/Orientações - sprint 3.pptx
+++ b/Documentação/Orientações/Orientações - sprint 3.pptx
@@ -7,6 +7,7 @@
   <p:sldIdLst>
     <p:sldId id="256" r:id="rId2"/>
     <p:sldId id="257" r:id="rId3"/>
+    <p:sldId id="259" r:id="rId4"/>
   </p:sldIdLst>
   <p:sldSz cx="12192000" cy="6858000"/>
   <p:notesSz cx="6858000" cy="9144000"/>
@@ -845,7 +846,7 @@
             <a:fld id="{B61BEF0D-F0BB-DE4B-95CE-6DB70DBA9567}" type="datetimeFigureOut">
               <a:rPr lang="en-US" dirty="0"/>
               <a:pPr/>
-              <a:t>11/6/2020</a:t>
+              <a:t>11/12/2020</a:t>
             </a:fld>
             <a:endParaRPr lang="en-US" dirty="0"/>
           </a:p>
@@ -1097,7 +1098,7 @@
             <a:fld id="{B61BEF0D-F0BB-DE4B-95CE-6DB70DBA9567}" type="datetimeFigureOut">
               <a:rPr lang="en-US" dirty="0"/>
               <a:pPr/>
-              <a:t>11/6/2020</a:t>
+              <a:t>11/12/2020</a:t>
             </a:fld>
             <a:endParaRPr lang="en-US" dirty="0"/>
           </a:p>
@@ -1412,7 +1413,7 @@
             <a:fld id="{B61BEF0D-F0BB-DE4B-95CE-6DB70DBA9567}" type="datetimeFigureOut">
               <a:rPr lang="en-US" dirty="0"/>
               <a:pPr/>
-              <a:t>11/6/2020</a:t>
+              <a:t>11/12/2020</a:t>
             </a:fld>
             <a:endParaRPr lang="en-US" dirty="0"/>
           </a:p>
@@ -1754,7 +1755,7 @@
             <a:fld id="{B61BEF0D-F0BB-DE4B-95CE-6DB70DBA9567}" type="datetimeFigureOut">
               <a:rPr lang="en-US" dirty="0"/>
               <a:pPr/>
-              <a:t>11/6/2020</a:t>
+              <a:t>11/12/2020</a:t>
             </a:fld>
             <a:endParaRPr lang="en-US" dirty="0"/>
           </a:p>
@@ -2069,7 +2070,7 @@
             <a:fld id="{B61BEF0D-F0BB-DE4B-95CE-6DB70DBA9567}" type="datetimeFigureOut">
               <a:rPr lang="en-US" dirty="0"/>
               <a:pPr/>
-              <a:t>11/6/2020</a:t>
+              <a:t>11/12/2020</a:t>
             </a:fld>
             <a:endParaRPr lang="en-US" dirty="0"/>
           </a:p>
@@ -2463,7 +2464,7 @@
             <a:fld id="{B61BEF0D-F0BB-DE4B-95CE-6DB70DBA9567}" type="datetimeFigureOut">
               <a:rPr lang="en-US" dirty="0"/>
               <a:pPr/>
-              <a:t>11/6/2020</a:t>
+              <a:t>11/12/2020</a:t>
             </a:fld>
             <a:endParaRPr lang="en-US" dirty="0"/>
           </a:p>
@@ -2632,7 +2633,7 @@
           <a:p>
             <a:fld id="{55C6B4A9-1611-4792-9094-5F34BCA07E0B}" type="datetimeFigureOut">
               <a:rPr lang="en-US" dirty="0"/>
-              <a:t>11/6/2020</a:t>
+              <a:t>11/12/2020</a:t>
             </a:fld>
             <a:endParaRPr lang="en-US" dirty="0"/>
           </a:p>
@@ -2811,7 +2812,7 @@
             <a:fld id="{B61BEF0D-F0BB-DE4B-95CE-6DB70DBA9567}" type="datetimeFigureOut">
               <a:rPr lang="en-US" dirty="0"/>
               <a:pPr/>
-              <a:t>11/6/2020</a:t>
+              <a:t>11/12/2020</a:t>
             </a:fld>
             <a:endParaRPr lang="en-US" dirty="0"/>
           </a:p>
@@ -2987,7 +2988,7 @@
             <a:fld id="{B61BEF0D-F0BB-DE4B-95CE-6DB70DBA9567}" type="datetimeFigureOut">
               <a:rPr lang="en-US" dirty="0"/>
               <a:pPr/>
-              <a:t>11/6/2020</a:t>
+              <a:t>11/12/2020</a:t>
             </a:fld>
             <a:endParaRPr lang="en-US" dirty="0"/>
           </a:p>
@@ -3235,7 +3236,7 @@
             <a:fld id="{B61BEF0D-F0BB-DE4B-95CE-6DB70DBA9567}" type="datetimeFigureOut">
               <a:rPr lang="en-US" dirty="0"/>
               <a:pPr/>
-              <a:t>11/6/2020</a:t>
+              <a:t>11/12/2020</a:t>
             </a:fld>
             <a:endParaRPr lang="en-US" dirty="0"/>
           </a:p>
@@ -3465,7 +3466,7 @@
           <a:p>
             <a:fld id="{EB712588-04B1-427B-82EE-E8DB90309F08}" type="datetimeFigureOut">
               <a:rPr lang="en-US" dirty="0"/>
-              <a:t>11/6/2020</a:t>
+              <a:t>11/12/2020</a:t>
             </a:fld>
             <a:endParaRPr lang="en-US" dirty="0"/>
           </a:p>
@@ -3837,7 +3838,7 @@
             <a:fld id="{B61BEF0D-F0BB-DE4B-95CE-6DB70DBA9567}" type="datetimeFigureOut">
               <a:rPr lang="en-US" dirty="0"/>
               <a:pPr/>
-              <a:t>11/6/2020</a:t>
+              <a:t>11/12/2020</a:t>
             </a:fld>
             <a:endParaRPr lang="en-US" dirty="0"/>
           </a:p>
@@ -3961,7 +3962,7 @@
             <a:fld id="{B61BEF0D-F0BB-DE4B-95CE-6DB70DBA9567}" type="datetimeFigureOut">
               <a:rPr lang="en-US" dirty="0"/>
               <a:pPr/>
-              <a:t>11/6/2020</a:t>
+              <a:t>11/12/2020</a:t>
             </a:fld>
             <a:endParaRPr lang="en-US" dirty="0"/>
           </a:p>
@@ -4058,7 +4059,7 @@
             <a:fld id="{B61BEF0D-F0BB-DE4B-95CE-6DB70DBA9567}" type="datetimeFigureOut">
               <a:rPr lang="en-US" dirty="0"/>
               <a:pPr/>
-              <a:t>11/6/2020</a:t>
+              <a:t>11/12/2020</a:t>
             </a:fld>
             <a:endParaRPr lang="en-US" dirty="0"/>
           </a:p>
@@ -4312,7 +4313,7 @@
           <a:p>
             <a:fld id="{42A54C80-263E-416B-A8E0-580EDEADCBDC}" type="datetimeFigureOut">
               <a:rPr lang="en-US" dirty="0"/>
-              <a:t>11/6/2020</a:t>
+              <a:t>11/12/2020</a:t>
             </a:fld>
             <a:endParaRPr lang="en-US" dirty="0"/>
           </a:p>
@@ -4571,7 +4572,7 @@
             <a:fld id="{B61BEF0D-F0BB-DE4B-95CE-6DB70DBA9567}" type="datetimeFigureOut">
               <a:rPr lang="en-US" dirty="0"/>
               <a:pPr/>
-              <a:t>11/6/2020</a:t>
+              <a:t>11/12/2020</a:t>
             </a:fld>
             <a:endParaRPr lang="en-US" dirty="0"/>
           </a:p>
@@ -5314,7 +5315,7 @@
             <a:fld id="{B61BEF0D-F0BB-DE4B-95CE-6DB70DBA9567}" type="datetimeFigureOut">
               <a:rPr lang="en-US" dirty="0"/>
               <a:pPr/>
-              <a:t>11/6/2020</a:t>
+              <a:t>11/12/2020</a:t>
             </a:fld>
             <a:endParaRPr lang="en-US" dirty="0"/>
           </a:p>
@@ -7055,36 +7056,6 @@
       </p:pic>
       <p:pic>
         <p:nvPicPr>
-          <p:cNvPr id="86" name="Picture 15" descr="Icon&#10;&#10;Description automatically generated">
-            <a:extLst>
-              <a:ext uri="{FF2B5EF4-FFF2-40B4-BE49-F238E27FC236}">
-                <a16:creationId xmlns:a16="http://schemas.microsoft.com/office/drawing/2014/main" id="{40196739-1239-4047-B42E-6ABB0EDA5A4F}"/>
-              </a:ext>
-            </a:extLst>
-          </p:cNvPr>
-          <p:cNvPicPr>
-            <a:picLocks noChangeAspect="1"/>
-          </p:cNvPicPr>
-          <p:nvPr/>
-        </p:nvPicPr>
-        <p:blipFill>
-          <a:blip r:embed="rId4"/>
-          <a:stretch>
-            <a:fillRect/>
-          </a:stretch>
-        </p:blipFill>
-        <p:spPr>
-          <a:xfrm>
-            <a:off x="11583950" y="1982705"/>
-            <a:ext cx="322162" cy="293226"/>
-          </a:xfrm>
-          <a:prstGeom prst="rect">
-            <a:avLst/>
-          </a:prstGeom>
-        </p:spPr>
-      </p:pic>
-      <p:pic>
-        <p:nvPicPr>
           <p:cNvPr id="87" name="Picture 15" descr="Icon&#10;&#10;Description automatically generated">
             <a:extLst>
               <a:ext uri="{FF2B5EF4-FFF2-40B4-BE49-F238E27FC236}">
@@ -7515,10 +7486,657 @@
           </a:prstGeom>
         </p:spPr>
       </p:pic>
+      <p:pic>
+        <p:nvPicPr>
+          <p:cNvPr id="8" name="Picture 9" descr="Icon&#10;&#10;Description automatically generated">
+            <a:extLst>
+              <a:ext uri="{FF2B5EF4-FFF2-40B4-BE49-F238E27FC236}">
+                <a16:creationId xmlns:a16="http://schemas.microsoft.com/office/drawing/2014/main" id="{2C27E1B4-3659-4C5B-9863-678808E1D6F3}"/>
+              </a:ext>
+            </a:extLst>
+          </p:cNvPr>
+          <p:cNvPicPr>
+            <a:picLocks noChangeAspect="1"/>
+          </p:cNvPicPr>
+          <p:nvPr/>
+        </p:nvPicPr>
+        <p:blipFill>
+          <a:blip r:embed="rId3"/>
+          <a:stretch>
+            <a:fillRect/>
+          </a:stretch>
+        </p:blipFill>
+        <p:spPr>
+          <a:xfrm>
+            <a:off x="11626980" y="1961198"/>
+            <a:ext cx="360745" cy="351100"/>
+          </a:xfrm>
+          <a:prstGeom prst="rect">
+            <a:avLst/>
+          </a:prstGeom>
+        </p:spPr>
+      </p:pic>
     </p:spTree>
     <p:extLst>
       <p:ext uri="{BB962C8B-B14F-4D97-AF65-F5344CB8AC3E}">
         <p14:creationId xmlns:p14="http://schemas.microsoft.com/office/powerpoint/2010/main" val="2931209310"/>
+      </p:ext>
+    </p:extLst>
+  </p:cSld>
+  <p:clrMapOvr>
+    <a:masterClrMapping/>
+  </p:clrMapOvr>
+</p:sld>
+</file>
+
+<file path=ppt/slides/slide3.xml><?xml version="1.0" encoding="utf-8"?>
+<p:sld xmlns:a="http://schemas.openxmlformats.org/drawingml/2006/main" xmlns:r="http://schemas.openxmlformats.org/officeDocument/2006/relationships" xmlns:p="http://schemas.openxmlformats.org/presentationml/2006/main">
+  <p:cSld>
+    <p:spTree>
+      <p:nvGrpSpPr>
+        <p:cNvPr id="1" name=""/>
+        <p:cNvGrpSpPr/>
+        <p:nvPr/>
+      </p:nvGrpSpPr>
+      <p:grpSpPr>
+        <a:xfrm>
+          <a:off x="0" y="0"/>
+          <a:ext cx="0" cy="0"/>
+          <a:chOff x="0" y="0"/>
+          <a:chExt cx="0" cy="0"/>
+        </a:xfrm>
+      </p:grpSpPr>
+      <p:pic>
+        <p:nvPicPr>
+          <p:cNvPr id="3" name="Picture 4" descr="A picture containing text&#10;&#10;Description automatically generated">
+            <a:extLst>
+              <a:ext uri="{FF2B5EF4-FFF2-40B4-BE49-F238E27FC236}">
+                <a16:creationId xmlns:a16="http://schemas.microsoft.com/office/drawing/2014/main" id="{3F9037D9-E25A-4ECF-B663-23CDEB4A2D9A}"/>
+              </a:ext>
+            </a:extLst>
+          </p:cNvPr>
+          <p:cNvPicPr>
+            <a:picLocks noChangeAspect="1"/>
+          </p:cNvPicPr>
+          <p:nvPr/>
+        </p:nvPicPr>
+        <p:blipFill rotWithShape="1">
+          <a:blip r:embed="rId2"/>
+          <a:srcRect r="-1" b="6821"/>
+          <a:stretch/>
+        </p:blipFill>
+        <p:spPr>
+          <a:xfrm>
+            <a:off x="352751" y="302429"/>
+            <a:ext cx="11550506" cy="6053920"/>
+          </a:xfrm>
+          <a:prstGeom prst="rect">
+            <a:avLst/>
+          </a:prstGeom>
+        </p:spPr>
+      </p:pic>
+      <p:pic>
+        <p:nvPicPr>
+          <p:cNvPr id="5" name="Picture 9" descr="Icon&#10;&#10;Description automatically generated">
+            <a:extLst>
+              <a:ext uri="{FF2B5EF4-FFF2-40B4-BE49-F238E27FC236}">
+                <a16:creationId xmlns:a16="http://schemas.microsoft.com/office/drawing/2014/main" id="{A8B0E2EB-5F74-41F1-A417-9023D3BE6525}"/>
+              </a:ext>
+            </a:extLst>
+          </p:cNvPr>
+          <p:cNvPicPr>
+            <a:picLocks noChangeAspect="1"/>
+          </p:cNvPicPr>
+          <p:nvPr/>
+        </p:nvPicPr>
+        <p:blipFill>
+          <a:blip r:embed="rId3"/>
+          <a:stretch>
+            <a:fillRect/>
+          </a:stretch>
+        </p:blipFill>
+        <p:spPr>
+          <a:xfrm>
+            <a:off x="5881868" y="1488311"/>
+            <a:ext cx="360745" cy="351100"/>
+          </a:xfrm>
+          <a:prstGeom prst="rect">
+            <a:avLst/>
+          </a:prstGeom>
+        </p:spPr>
+      </p:pic>
+      <p:pic>
+        <p:nvPicPr>
+          <p:cNvPr id="19" name="Picture 9" descr="Icon&#10;&#10;Description automatically generated">
+            <a:extLst>
+              <a:ext uri="{FF2B5EF4-FFF2-40B4-BE49-F238E27FC236}">
+                <a16:creationId xmlns:a16="http://schemas.microsoft.com/office/drawing/2014/main" id="{B9BD81A0-40A3-4EAC-A112-D1C4381B537C}"/>
+              </a:ext>
+            </a:extLst>
+          </p:cNvPr>
+          <p:cNvPicPr>
+            <a:picLocks noChangeAspect="1"/>
+          </p:cNvPicPr>
+          <p:nvPr/>
+        </p:nvPicPr>
+        <p:blipFill>
+          <a:blip r:embed="rId3"/>
+          <a:stretch>
+            <a:fillRect/>
+          </a:stretch>
+        </p:blipFill>
+        <p:spPr>
+          <a:xfrm>
+            <a:off x="8640500" y="1874133"/>
+            <a:ext cx="360745" cy="351100"/>
+          </a:xfrm>
+          <a:prstGeom prst="rect">
+            <a:avLst/>
+          </a:prstGeom>
+        </p:spPr>
+      </p:pic>
+      <p:pic>
+        <p:nvPicPr>
+          <p:cNvPr id="21" name="Picture 9" descr="Icon&#10;&#10;Description automatically generated">
+            <a:extLst>
+              <a:ext uri="{FF2B5EF4-FFF2-40B4-BE49-F238E27FC236}">
+                <a16:creationId xmlns:a16="http://schemas.microsoft.com/office/drawing/2014/main" id="{0577F262-DCBC-4AD5-81C6-C89A1C8618C6}"/>
+              </a:ext>
+            </a:extLst>
+          </p:cNvPr>
+          <p:cNvPicPr>
+            <a:picLocks noChangeAspect="1"/>
+          </p:cNvPicPr>
+          <p:nvPr/>
+        </p:nvPicPr>
+        <p:blipFill>
+          <a:blip r:embed="rId3"/>
+          <a:stretch>
+            <a:fillRect/>
+          </a:stretch>
+        </p:blipFill>
+        <p:spPr>
+          <a:xfrm>
+            <a:off x="9981233" y="4140840"/>
+            <a:ext cx="360745" cy="351100"/>
+          </a:xfrm>
+          <a:prstGeom prst="rect">
+            <a:avLst/>
+          </a:prstGeom>
+        </p:spPr>
+      </p:pic>
+      <p:pic>
+        <p:nvPicPr>
+          <p:cNvPr id="22" name="Picture 9" descr="Icon&#10;&#10;Description automatically generated">
+            <a:extLst>
+              <a:ext uri="{FF2B5EF4-FFF2-40B4-BE49-F238E27FC236}">
+                <a16:creationId xmlns:a16="http://schemas.microsoft.com/office/drawing/2014/main" id="{7C3FA35F-D7B2-40AD-AA35-E04FB784B03E}"/>
+              </a:ext>
+            </a:extLst>
+          </p:cNvPr>
+          <p:cNvPicPr>
+            <a:picLocks noChangeAspect="1"/>
+          </p:cNvPicPr>
+          <p:nvPr/>
+        </p:nvPicPr>
+        <p:blipFill>
+          <a:blip r:embed="rId3"/>
+          <a:stretch>
+            <a:fillRect/>
+          </a:stretch>
+        </p:blipFill>
+        <p:spPr>
+          <a:xfrm>
+            <a:off x="4338574" y="4497726"/>
+            <a:ext cx="360745" cy="351100"/>
+          </a:xfrm>
+          <a:prstGeom prst="rect">
+            <a:avLst/>
+          </a:prstGeom>
+        </p:spPr>
+      </p:pic>
+      <p:pic>
+        <p:nvPicPr>
+          <p:cNvPr id="23" name="Picture 9" descr="Icon&#10;&#10;Description automatically generated">
+            <a:extLst>
+              <a:ext uri="{FF2B5EF4-FFF2-40B4-BE49-F238E27FC236}">
+                <a16:creationId xmlns:a16="http://schemas.microsoft.com/office/drawing/2014/main" id="{CB5FFD21-6ED8-4060-9755-E1597C224FEA}"/>
+              </a:ext>
+            </a:extLst>
+          </p:cNvPr>
+          <p:cNvPicPr>
+            <a:picLocks noChangeAspect="1"/>
+          </p:cNvPicPr>
+          <p:nvPr/>
+        </p:nvPicPr>
+        <p:blipFill>
+          <a:blip r:embed="rId3"/>
+          <a:stretch>
+            <a:fillRect/>
+          </a:stretch>
+        </p:blipFill>
+        <p:spPr>
+          <a:xfrm>
+            <a:off x="4444675" y="5269371"/>
+            <a:ext cx="360745" cy="351100"/>
+          </a:xfrm>
+          <a:prstGeom prst="rect">
+            <a:avLst/>
+          </a:prstGeom>
+        </p:spPr>
+      </p:pic>
+      <p:pic>
+        <p:nvPicPr>
+          <p:cNvPr id="8" name="Picture 9" descr="Icon&#10;&#10;Description automatically generated">
+            <a:extLst>
+              <a:ext uri="{FF2B5EF4-FFF2-40B4-BE49-F238E27FC236}">
+                <a16:creationId xmlns:a16="http://schemas.microsoft.com/office/drawing/2014/main" id="{B4B370D7-8D8B-43D6-846D-09FF44CA9EF9}"/>
+              </a:ext>
+            </a:extLst>
+          </p:cNvPr>
+          <p:cNvPicPr>
+            <a:picLocks noChangeAspect="1"/>
+          </p:cNvPicPr>
+          <p:nvPr/>
+        </p:nvPicPr>
+        <p:blipFill>
+          <a:blip r:embed="rId3"/>
+          <a:stretch>
+            <a:fillRect/>
+          </a:stretch>
+        </p:blipFill>
+        <p:spPr>
+          <a:xfrm>
+            <a:off x="10106626" y="543045"/>
+            <a:ext cx="360745" cy="351100"/>
+          </a:xfrm>
+          <a:prstGeom prst="rect">
+            <a:avLst/>
+          </a:prstGeom>
+        </p:spPr>
+      </p:pic>
+      <p:pic>
+        <p:nvPicPr>
+          <p:cNvPr id="9" name="Picture 15" descr="Icon&#10;&#10;Description automatically generated">
+            <a:extLst>
+              <a:ext uri="{FF2B5EF4-FFF2-40B4-BE49-F238E27FC236}">
+                <a16:creationId xmlns:a16="http://schemas.microsoft.com/office/drawing/2014/main" id="{6D351F39-0186-491B-89C4-35C6D9498A2A}"/>
+              </a:ext>
+            </a:extLst>
+          </p:cNvPr>
+          <p:cNvPicPr>
+            <a:picLocks noChangeAspect="1"/>
+          </p:cNvPicPr>
+          <p:nvPr/>
+        </p:nvPicPr>
+        <p:blipFill>
+          <a:blip r:embed="rId4"/>
+          <a:stretch>
+            <a:fillRect/>
+          </a:stretch>
+        </p:blipFill>
+        <p:spPr>
+          <a:xfrm>
+            <a:off x="10125917" y="1411145"/>
+            <a:ext cx="322162" cy="293226"/>
+          </a:xfrm>
+          <a:prstGeom prst="rect">
+            <a:avLst/>
+          </a:prstGeom>
+        </p:spPr>
+      </p:pic>
+      <p:pic>
+        <p:nvPicPr>
+          <p:cNvPr id="10" name="Picture 11" descr="Icon&#10;&#10;Description automatically generated">
+            <a:extLst>
+              <a:ext uri="{FF2B5EF4-FFF2-40B4-BE49-F238E27FC236}">
+                <a16:creationId xmlns:a16="http://schemas.microsoft.com/office/drawing/2014/main" id="{EF99B988-4C33-4092-9CBA-B35B2DD50C56}"/>
+              </a:ext>
+            </a:extLst>
+          </p:cNvPr>
+          <p:cNvPicPr>
+            <a:picLocks noChangeAspect="1"/>
+          </p:cNvPicPr>
+          <p:nvPr/>
+        </p:nvPicPr>
+        <p:blipFill>
+          <a:blip r:embed="rId5"/>
+          <a:stretch>
+            <a:fillRect/>
+          </a:stretch>
+        </p:blipFill>
+        <p:spPr>
+          <a:xfrm>
+            <a:off x="10145204" y="977094"/>
+            <a:ext cx="283580" cy="273935"/>
+          </a:xfrm>
+          <a:prstGeom prst="rect">
+            <a:avLst/>
+          </a:prstGeom>
+        </p:spPr>
+      </p:pic>
+      <p:sp>
+        <p:nvSpPr>
+          <p:cNvPr id="11" name="TextBox 10">
+            <a:extLst>
+              <a:ext uri="{FF2B5EF4-FFF2-40B4-BE49-F238E27FC236}">
+                <a16:creationId xmlns:a16="http://schemas.microsoft.com/office/drawing/2014/main" id="{55A37E52-40D6-49E8-964B-7CDB8CFC9C5C}"/>
+              </a:ext>
+            </a:extLst>
+          </p:cNvPr>
+          <p:cNvSpPr txBox="1"/>
+          <p:nvPr/>
+        </p:nvSpPr>
+        <p:spPr>
+          <a:xfrm>
+            <a:off x="10444222" y="538222"/>
+            <a:ext cx="900896" cy="369332"/>
+          </a:xfrm>
+          <a:prstGeom prst="rect">
+            <a:avLst/>
+          </a:prstGeom>
+          <a:noFill/>
+        </p:spPr>
+        <p:txBody>
+          <a:bodyPr rot="0" spcFirstLastPara="0" vertOverflow="overflow" horzOverflow="overflow" vert="horz" wrap="square" lIns="91440" tIns="45720" rIns="91440" bIns="45720" numCol="1" spcCol="0" rtlCol="0" fromWordArt="0" anchor="t" anchorCtr="0" forceAA="0" compatLnSpc="1">
+            <a:prstTxWarp prst="textNoShape">
+              <a:avLst/>
+            </a:prstTxWarp>
+            <a:spAutoFit/>
+          </a:bodyPr>
+          <a:lstStyle/>
+          <a:p>
+            <a:r>
+              <a:rPr lang="en-US" b="1" dirty="0">
+                <a:solidFill>
+                  <a:schemeClr val="tx1">
+                    <a:lumMod val="75000"/>
+                    <a:lumOff val="25000"/>
+                  </a:schemeClr>
+                </a:solidFill>
+                <a:ea typeface="+mn-lt"/>
+                <a:cs typeface="+mn-lt"/>
+              </a:rPr>
+              <a:t>DONE</a:t>
+            </a:r>
+            <a:endParaRPr lang="en-US" dirty="0"/>
+          </a:p>
+        </p:txBody>
+      </p:sp>
+      <p:sp>
+        <p:nvSpPr>
+          <p:cNvPr id="12" name="TextBox 11">
+            <a:extLst>
+              <a:ext uri="{FF2B5EF4-FFF2-40B4-BE49-F238E27FC236}">
+                <a16:creationId xmlns:a16="http://schemas.microsoft.com/office/drawing/2014/main" id="{CF1A813D-E656-4A8E-9E56-3A600BB8AB00}"/>
+              </a:ext>
+            </a:extLst>
+          </p:cNvPr>
+          <p:cNvSpPr txBox="1"/>
+          <p:nvPr/>
+        </p:nvSpPr>
+        <p:spPr>
+          <a:xfrm>
+            <a:off x="10444221" y="972271"/>
+            <a:ext cx="1045579" cy="369332"/>
+          </a:xfrm>
+          <a:prstGeom prst="rect">
+            <a:avLst/>
+          </a:prstGeom>
+          <a:noFill/>
+        </p:spPr>
+        <p:txBody>
+          <a:bodyPr rot="0" spcFirstLastPara="0" vertOverflow="overflow" horzOverflow="overflow" vert="horz" wrap="square" lIns="91440" tIns="45720" rIns="91440" bIns="45720" numCol="1" spcCol="0" rtlCol="0" fromWordArt="0" anchor="t" anchorCtr="0" forceAA="0" compatLnSpc="1">
+            <a:prstTxWarp prst="textNoShape">
+              <a:avLst/>
+            </a:prstTxWarp>
+            <a:spAutoFit/>
+          </a:bodyPr>
+          <a:lstStyle/>
+          <a:p>
+            <a:r>
+              <a:rPr lang="en-US" b="1" dirty="0">
+                <a:solidFill>
+                  <a:schemeClr val="tx1">
+                    <a:lumMod val="75000"/>
+                    <a:lumOff val="25000"/>
+                  </a:schemeClr>
+                </a:solidFill>
+              </a:rPr>
+              <a:t>DOING</a:t>
+            </a:r>
+          </a:p>
+        </p:txBody>
+      </p:sp>
+      <p:sp>
+        <p:nvSpPr>
+          <p:cNvPr id="14" name="TextBox 13">
+            <a:extLst>
+              <a:ext uri="{FF2B5EF4-FFF2-40B4-BE49-F238E27FC236}">
+                <a16:creationId xmlns:a16="http://schemas.microsoft.com/office/drawing/2014/main" id="{3A8F283E-6A00-4BD5-B849-7185F21E97AD}"/>
+              </a:ext>
+            </a:extLst>
+          </p:cNvPr>
+          <p:cNvSpPr txBox="1"/>
+          <p:nvPr/>
+        </p:nvSpPr>
+        <p:spPr>
+          <a:xfrm>
+            <a:off x="10463511" y="1377386"/>
+            <a:ext cx="968415" cy="369332"/>
+          </a:xfrm>
+          <a:prstGeom prst="rect">
+            <a:avLst/>
+          </a:prstGeom>
+          <a:noFill/>
+        </p:spPr>
+        <p:txBody>
+          <a:bodyPr rot="0" spcFirstLastPara="0" vertOverflow="overflow" horzOverflow="overflow" vert="horz" wrap="square" lIns="91440" tIns="45720" rIns="91440" bIns="45720" numCol="1" spcCol="0" rtlCol="0" fromWordArt="0" anchor="t" anchorCtr="0" forceAA="0" compatLnSpc="1">
+            <a:prstTxWarp prst="textNoShape">
+              <a:avLst/>
+            </a:prstTxWarp>
+            <a:spAutoFit/>
+          </a:bodyPr>
+          <a:lstStyle/>
+          <a:p>
+            <a:r>
+              <a:rPr lang="en-US" b="1" dirty="0">
+                <a:solidFill>
+                  <a:schemeClr val="tx1">
+                    <a:lumMod val="75000"/>
+                    <a:lumOff val="25000"/>
+                  </a:schemeClr>
+                </a:solidFill>
+              </a:rPr>
+              <a:t>TO DO</a:t>
+            </a:r>
+          </a:p>
+        </p:txBody>
+      </p:sp>
+      <p:pic>
+        <p:nvPicPr>
+          <p:cNvPr id="15" name="Picture 9" descr="Icon&#10;&#10;Description automatically generated">
+            <a:extLst>
+              <a:ext uri="{FF2B5EF4-FFF2-40B4-BE49-F238E27FC236}">
+                <a16:creationId xmlns:a16="http://schemas.microsoft.com/office/drawing/2014/main" id="{1FA75C6B-5149-4971-B8B1-884B4D818C59}"/>
+              </a:ext>
+            </a:extLst>
+          </p:cNvPr>
+          <p:cNvPicPr>
+            <a:picLocks noChangeAspect="1"/>
+          </p:cNvPicPr>
+          <p:nvPr/>
+        </p:nvPicPr>
+        <p:blipFill>
+          <a:blip r:embed="rId3"/>
+          <a:stretch>
+            <a:fillRect/>
+          </a:stretch>
+        </p:blipFill>
+        <p:spPr>
+          <a:xfrm>
+            <a:off x="3158288" y="5994480"/>
+            <a:ext cx="360745" cy="351100"/>
+          </a:xfrm>
+          <a:prstGeom prst="rect">
+            <a:avLst/>
+          </a:prstGeom>
+        </p:spPr>
+      </p:pic>
+      <p:pic>
+        <p:nvPicPr>
+          <p:cNvPr id="16" name="Picture 15" descr="Icon&#10;&#10;Description automatically generated">
+            <a:extLst>
+              <a:ext uri="{FF2B5EF4-FFF2-40B4-BE49-F238E27FC236}">
+                <a16:creationId xmlns:a16="http://schemas.microsoft.com/office/drawing/2014/main" id="{3D4B42A6-425A-405C-80CF-C1BC7F34B69F}"/>
+              </a:ext>
+            </a:extLst>
+          </p:cNvPr>
+          <p:cNvPicPr>
+            <a:picLocks noChangeAspect="1"/>
+          </p:cNvPicPr>
+          <p:nvPr/>
+        </p:nvPicPr>
+        <p:blipFill>
+          <a:blip r:embed="rId4"/>
+          <a:stretch>
+            <a:fillRect/>
+          </a:stretch>
+        </p:blipFill>
+        <p:spPr>
+          <a:xfrm>
+            <a:off x="4249630" y="3818550"/>
+            <a:ext cx="312517" cy="302871"/>
+          </a:xfrm>
+          <a:prstGeom prst="rect">
+            <a:avLst/>
+          </a:prstGeom>
+        </p:spPr>
+      </p:pic>
+      <p:pic>
+        <p:nvPicPr>
+          <p:cNvPr id="17" name="Picture 15" descr="Icon&#10;&#10;Description automatically generated">
+            <a:extLst>
+              <a:ext uri="{FF2B5EF4-FFF2-40B4-BE49-F238E27FC236}">
+                <a16:creationId xmlns:a16="http://schemas.microsoft.com/office/drawing/2014/main" id="{017C4B1D-6309-4308-9D06-521C02871999}"/>
+              </a:ext>
+            </a:extLst>
+          </p:cNvPr>
+          <p:cNvPicPr>
+            <a:picLocks noChangeAspect="1"/>
+          </p:cNvPicPr>
+          <p:nvPr/>
+        </p:nvPicPr>
+        <p:blipFill>
+          <a:blip r:embed="rId4"/>
+          <a:stretch>
+            <a:fillRect/>
+          </a:stretch>
+        </p:blipFill>
+        <p:spPr>
+          <a:xfrm>
+            <a:off x="6923846" y="3429000"/>
+            <a:ext cx="312517" cy="302871"/>
+          </a:xfrm>
+          <a:prstGeom prst="rect">
+            <a:avLst/>
+          </a:prstGeom>
+        </p:spPr>
+      </p:pic>
+      <p:pic>
+        <p:nvPicPr>
+          <p:cNvPr id="18" name="Picture 15" descr="Icon&#10;&#10;Description automatically generated">
+            <a:extLst>
+              <a:ext uri="{FF2B5EF4-FFF2-40B4-BE49-F238E27FC236}">
+                <a16:creationId xmlns:a16="http://schemas.microsoft.com/office/drawing/2014/main" id="{BDFE947F-5F01-4E0E-9C94-EC77C73C54B9}"/>
+              </a:ext>
+            </a:extLst>
+          </p:cNvPr>
+          <p:cNvPicPr>
+            <a:picLocks noChangeAspect="1"/>
+          </p:cNvPicPr>
+          <p:nvPr/>
+        </p:nvPicPr>
+        <p:blipFill>
+          <a:blip r:embed="rId4"/>
+          <a:stretch>
+            <a:fillRect/>
+          </a:stretch>
+        </p:blipFill>
+        <p:spPr>
+          <a:xfrm>
+            <a:off x="9001245" y="3026518"/>
+            <a:ext cx="312517" cy="302871"/>
+          </a:xfrm>
+          <a:prstGeom prst="rect">
+            <a:avLst/>
+          </a:prstGeom>
+        </p:spPr>
+      </p:pic>
+      <p:pic>
+        <p:nvPicPr>
+          <p:cNvPr id="2" name="Picture 9" descr="Icon&#10;&#10;Description automatically generated">
+            <a:extLst>
+              <a:ext uri="{FF2B5EF4-FFF2-40B4-BE49-F238E27FC236}">
+                <a16:creationId xmlns:a16="http://schemas.microsoft.com/office/drawing/2014/main" id="{E7D4B917-0C59-4E43-AA6B-6A5E567E9677}"/>
+              </a:ext>
+            </a:extLst>
+          </p:cNvPr>
+          <p:cNvPicPr>
+            <a:picLocks noChangeAspect="1"/>
+          </p:cNvPicPr>
+          <p:nvPr/>
+        </p:nvPicPr>
+        <p:blipFill>
+          <a:blip r:embed="rId3"/>
+          <a:stretch>
+            <a:fillRect/>
+          </a:stretch>
+        </p:blipFill>
+        <p:spPr>
+          <a:xfrm>
+            <a:off x="3191420" y="5630043"/>
+            <a:ext cx="360745" cy="351100"/>
+          </a:xfrm>
+          <a:prstGeom prst="rect">
+            <a:avLst/>
+          </a:prstGeom>
+        </p:spPr>
+      </p:pic>
+      <p:pic>
+        <p:nvPicPr>
+          <p:cNvPr id="4" name="Picture 11" descr="Icon&#10;&#10;Description automatically generated">
+            <a:extLst>
+              <a:ext uri="{FF2B5EF4-FFF2-40B4-BE49-F238E27FC236}">
+                <a16:creationId xmlns:a16="http://schemas.microsoft.com/office/drawing/2014/main" id="{CB1DDC60-EB43-438A-AD6A-BA7C9026E63E}"/>
+              </a:ext>
+            </a:extLst>
+          </p:cNvPr>
+          <p:cNvPicPr>
+            <a:picLocks noChangeAspect="1"/>
+          </p:cNvPicPr>
+          <p:nvPr/>
+        </p:nvPicPr>
+        <p:blipFill>
+          <a:blip r:embed="rId5"/>
+          <a:stretch>
+            <a:fillRect/>
+          </a:stretch>
+        </p:blipFill>
+        <p:spPr>
+          <a:xfrm>
+            <a:off x="6242613" y="4897175"/>
+            <a:ext cx="283580" cy="273935"/>
+          </a:xfrm>
+          <a:prstGeom prst="rect">
+            <a:avLst/>
+          </a:prstGeom>
+        </p:spPr>
+      </p:pic>
+    </p:spTree>
+    <p:extLst>
+      <p:ext uri="{BB962C8B-B14F-4D97-AF65-F5344CB8AC3E}">
+        <p14:creationId xmlns:p14="http://schemas.microsoft.com/office/powerpoint/2010/main" val="2166769038"/>
       </p:ext>
     </p:extLst>
   </p:cSld>

--- a/Documentação/Orientações/Orientações - sprint 3.pptx
+++ b/Documentação/Orientações/Orientações - sprint 3.pptx
@@ -846,7 +846,7 @@
             <a:fld id="{B61BEF0D-F0BB-DE4B-95CE-6DB70DBA9567}" type="datetimeFigureOut">
               <a:rPr lang="en-US" dirty="0"/>
               <a:pPr/>
-              <a:t>11/12/2020</a:t>
+              <a:t>11/20/2020</a:t>
             </a:fld>
             <a:endParaRPr lang="en-US" dirty="0"/>
           </a:p>
@@ -1098,7 +1098,7 @@
             <a:fld id="{B61BEF0D-F0BB-DE4B-95CE-6DB70DBA9567}" type="datetimeFigureOut">
               <a:rPr lang="en-US" dirty="0"/>
               <a:pPr/>
-              <a:t>11/12/2020</a:t>
+              <a:t>11/20/2020</a:t>
             </a:fld>
             <a:endParaRPr lang="en-US" dirty="0"/>
           </a:p>
@@ -1413,7 +1413,7 @@
             <a:fld id="{B61BEF0D-F0BB-DE4B-95CE-6DB70DBA9567}" type="datetimeFigureOut">
               <a:rPr lang="en-US" dirty="0"/>
               <a:pPr/>
-              <a:t>11/12/2020</a:t>
+              <a:t>11/20/2020</a:t>
             </a:fld>
             <a:endParaRPr lang="en-US" dirty="0"/>
           </a:p>
@@ -1755,7 +1755,7 @@
             <a:fld id="{B61BEF0D-F0BB-DE4B-95CE-6DB70DBA9567}" type="datetimeFigureOut">
               <a:rPr lang="en-US" dirty="0"/>
               <a:pPr/>
-              <a:t>11/12/2020</a:t>
+              <a:t>11/20/2020</a:t>
             </a:fld>
             <a:endParaRPr lang="en-US" dirty="0"/>
           </a:p>
@@ -2070,7 +2070,7 @@
             <a:fld id="{B61BEF0D-F0BB-DE4B-95CE-6DB70DBA9567}" type="datetimeFigureOut">
               <a:rPr lang="en-US" dirty="0"/>
               <a:pPr/>
-              <a:t>11/12/2020</a:t>
+              <a:t>11/20/2020</a:t>
             </a:fld>
             <a:endParaRPr lang="en-US" dirty="0"/>
           </a:p>
@@ -2464,7 +2464,7 @@
             <a:fld id="{B61BEF0D-F0BB-DE4B-95CE-6DB70DBA9567}" type="datetimeFigureOut">
               <a:rPr lang="en-US" dirty="0"/>
               <a:pPr/>
-              <a:t>11/12/2020</a:t>
+              <a:t>11/20/2020</a:t>
             </a:fld>
             <a:endParaRPr lang="en-US" dirty="0"/>
           </a:p>
@@ -2633,7 +2633,7 @@
           <a:p>
             <a:fld id="{55C6B4A9-1611-4792-9094-5F34BCA07E0B}" type="datetimeFigureOut">
               <a:rPr lang="en-US" dirty="0"/>
-              <a:t>11/12/2020</a:t>
+              <a:t>11/20/2020</a:t>
             </a:fld>
             <a:endParaRPr lang="en-US" dirty="0"/>
           </a:p>
@@ -2812,7 +2812,7 @@
             <a:fld id="{B61BEF0D-F0BB-DE4B-95CE-6DB70DBA9567}" type="datetimeFigureOut">
               <a:rPr lang="en-US" dirty="0"/>
               <a:pPr/>
-              <a:t>11/12/2020</a:t>
+              <a:t>11/20/2020</a:t>
             </a:fld>
             <a:endParaRPr lang="en-US" dirty="0"/>
           </a:p>
@@ -2988,7 +2988,7 @@
             <a:fld id="{B61BEF0D-F0BB-DE4B-95CE-6DB70DBA9567}" type="datetimeFigureOut">
               <a:rPr lang="en-US" dirty="0"/>
               <a:pPr/>
-              <a:t>11/12/2020</a:t>
+              <a:t>11/20/2020</a:t>
             </a:fld>
             <a:endParaRPr lang="en-US" dirty="0"/>
           </a:p>
@@ -3236,7 +3236,7 @@
             <a:fld id="{B61BEF0D-F0BB-DE4B-95CE-6DB70DBA9567}" type="datetimeFigureOut">
               <a:rPr lang="en-US" dirty="0"/>
               <a:pPr/>
-              <a:t>11/12/2020</a:t>
+              <a:t>11/20/2020</a:t>
             </a:fld>
             <a:endParaRPr lang="en-US" dirty="0"/>
           </a:p>
@@ -3466,7 +3466,7 @@
           <a:p>
             <a:fld id="{EB712588-04B1-427B-82EE-E8DB90309F08}" type="datetimeFigureOut">
               <a:rPr lang="en-US" dirty="0"/>
-              <a:t>11/12/2020</a:t>
+              <a:t>11/20/2020</a:t>
             </a:fld>
             <a:endParaRPr lang="en-US" dirty="0"/>
           </a:p>
@@ -3838,7 +3838,7 @@
             <a:fld id="{B61BEF0D-F0BB-DE4B-95CE-6DB70DBA9567}" type="datetimeFigureOut">
               <a:rPr lang="en-US" dirty="0"/>
               <a:pPr/>
-              <a:t>11/12/2020</a:t>
+              <a:t>11/20/2020</a:t>
             </a:fld>
             <a:endParaRPr lang="en-US" dirty="0"/>
           </a:p>
@@ -3962,7 +3962,7 @@
             <a:fld id="{B61BEF0D-F0BB-DE4B-95CE-6DB70DBA9567}" type="datetimeFigureOut">
               <a:rPr lang="en-US" dirty="0"/>
               <a:pPr/>
-              <a:t>11/12/2020</a:t>
+              <a:t>11/20/2020</a:t>
             </a:fld>
             <a:endParaRPr lang="en-US" dirty="0"/>
           </a:p>
@@ -4059,7 +4059,7 @@
             <a:fld id="{B61BEF0D-F0BB-DE4B-95CE-6DB70DBA9567}" type="datetimeFigureOut">
               <a:rPr lang="en-US" dirty="0"/>
               <a:pPr/>
-              <a:t>11/12/2020</a:t>
+              <a:t>11/20/2020</a:t>
             </a:fld>
             <a:endParaRPr lang="en-US" dirty="0"/>
           </a:p>
@@ -4313,7 +4313,7 @@
           <a:p>
             <a:fld id="{42A54C80-263E-416B-A8E0-580EDEADCBDC}" type="datetimeFigureOut">
               <a:rPr lang="en-US" dirty="0"/>
-              <a:t>11/12/2020</a:t>
+              <a:t>11/20/2020</a:t>
             </a:fld>
             <a:endParaRPr lang="en-US" dirty="0"/>
           </a:p>
@@ -4572,7 +4572,7 @@
             <a:fld id="{B61BEF0D-F0BB-DE4B-95CE-6DB70DBA9567}" type="datetimeFigureOut">
               <a:rPr lang="en-US" dirty="0"/>
               <a:pPr/>
-              <a:t>11/12/2020</a:t>
+              <a:t>11/20/2020</a:t>
             </a:fld>
             <a:endParaRPr lang="en-US" dirty="0"/>
           </a:p>
@@ -5315,7 +5315,7 @@
             <a:fld id="{B61BEF0D-F0BB-DE4B-95CE-6DB70DBA9567}" type="datetimeFigureOut">
               <a:rPr lang="en-US" dirty="0"/>
               <a:pPr/>
-              <a:t>11/12/2020</a:t>
+              <a:t>11/20/2020</a:t>
             </a:fld>
             <a:endParaRPr lang="en-US" dirty="0"/>
           </a:p>
@@ -6936,36 +6936,6 @@
       </p:pic>
       <p:pic>
         <p:nvPicPr>
-          <p:cNvPr id="74" name="Picture 11" descr="Icon&#10;&#10;Description automatically generated">
-            <a:extLst>
-              <a:ext uri="{FF2B5EF4-FFF2-40B4-BE49-F238E27FC236}">
-                <a16:creationId xmlns:a16="http://schemas.microsoft.com/office/drawing/2014/main" id="{631E6F87-1DA1-425B-A634-0F7943B18015}"/>
-              </a:ext>
-            </a:extLst>
-          </p:cNvPr>
-          <p:cNvPicPr>
-            <a:picLocks noChangeAspect="1"/>
-          </p:cNvPicPr>
-          <p:nvPr/>
-        </p:nvPicPr>
-        <p:blipFill>
-          <a:blip r:embed="rId5"/>
-          <a:stretch>
-            <a:fillRect/>
-          </a:stretch>
-        </p:blipFill>
-        <p:spPr>
-          <a:xfrm>
-            <a:off x="7449407" y="4643116"/>
-            <a:ext cx="283580" cy="273935"/>
-          </a:xfrm>
-          <a:prstGeom prst="rect">
-            <a:avLst/>
-          </a:prstGeom>
-        </p:spPr>
-      </p:pic>
-      <p:pic>
-        <p:nvPicPr>
           <p:cNvPr id="78" name="Picture 11" descr="Icon&#10;&#10;Description automatically generated">
             <a:extLst>
               <a:ext uri="{FF2B5EF4-FFF2-40B4-BE49-F238E27FC236}">
@@ -6988,96 +6958,6 @@
           <a:xfrm>
             <a:off x="7811821" y="4996237"/>
             <a:ext cx="283580" cy="273935"/>
-          </a:xfrm>
-          <a:prstGeom prst="rect">
-            <a:avLst/>
-          </a:prstGeom>
-        </p:spPr>
-      </p:pic>
-      <p:pic>
-        <p:nvPicPr>
-          <p:cNvPr id="81" name="Picture 15" descr="Icon&#10;&#10;Description automatically generated">
-            <a:extLst>
-              <a:ext uri="{FF2B5EF4-FFF2-40B4-BE49-F238E27FC236}">
-                <a16:creationId xmlns:a16="http://schemas.microsoft.com/office/drawing/2014/main" id="{3E685063-5F3A-4AA7-9AD2-342F745DF9BE}"/>
-              </a:ext>
-            </a:extLst>
-          </p:cNvPr>
-          <p:cNvPicPr>
-            <a:picLocks noChangeAspect="1"/>
-          </p:cNvPicPr>
-          <p:nvPr/>
-        </p:nvPicPr>
-        <p:blipFill>
-          <a:blip r:embed="rId4"/>
-          <a:stretch>
-            <a:fillRect/>
-          </a:stretch>
-        </p:blipFill>
-        <p:spPr>
-          <a:xfrm>
-            <a:off x="7030536" y="5718363"/>
-            <a:ext cx="322162" cy="293226"/>
-          </a:xfrm>
-          <a:prstGeom prst="rect">
-            <a:avLst/>
-          </a:prstGeom>
-        </p:spPr>
-      </p:pic>
-      <p:pic>
-        <p:nvPicPr>
-          <p:cNvPr id="83" name="Picture 11" descr="Icon&#10;&#10;Description automatically generated">
-            <a:extLst>
-              <a:ext uri="{FF2B5EF4-FFF2-40B4-BE49-F238E27FC236}">
-                <a16:creationId xmlns:a16="http://schemas.microsoft.com/office/drawing/2014/main" id="{AE7A0556-AB20-4248-A6DA-84E326C3D0AD}"/>
-              </a:ext>
-            </a:extLst>
-          </p:cNvPr>
-          <p:cNvPicPr>
-            <a:picLocks noChangeAspect="1"/>
-          </p:cNvPicPr>
-          <p:nvPr/>
-        </p:nvPicPr>
-        <p:blipFill>
-          <a:blip r:embed="rId5"/>
-          <a:stretch>
-            <a:fillRect/>
-          </a:stretch>
-        </p:blipFill>
-        <p:spPr>
-          <a:xfrm>
-            <a:off x="7533042" y="6055605"/>
-            <a:ext cx="283580" cy="273935"/>
-          </a:xfrm>
-          <a:prstGeom prst="rect">
-            <a:avLst/>
-          </a:prstGeom>
-        </p:spPr>
-      </p:pic>
-      <p:pic>
-        <p:nvPicPr>
-          <p:cNvPr id="87" name="Picture 15" descr="Icon&#10;&#10;Description automatically generated">
-            <a:extLst>
-              <a:ext uri="{FF2B5EF4-FFF2-40B4-BE49-F238E27FC236}">
-                <a16:creationId xmlns:a16="http://schemas.microsoft.com/office/drawing/2014/main" id="{BCC67C24-464A-4CD3-864B-43E850BAB3FC}"/>
-              </a:ext>
-            </a:extLst>
-          </p:cNvPr>
-          <p:cNvPicPr>
-            <a:picLocks noChangeAspect="1"/>
-          </p:cNvPicPr>
-          <p:nvPr/>
-        </p:nvPicPr>
-        <p:blipFill>
-          <a:blip r:embed="rId4"/>
-          <a:stretch>
-            <a:fillRect/>
-          </a:stretch>
-        </p:blipFill>
-        <p:spPr>
-          <a:xfrm>
-            <a:off x="9753291" y="1638875"/>
-            <a:ext cx="322162" cy="293226"/>
           </a:xfrm>
           <a:prstGeom prst="rect">
             <a:avLst/>
@@ -7114,36 +6994,6 @@
           </a:prstGeom>
         </p:spPr>
       </p:pic>
-      <p:pic>
-        <p:nvPicPr>
-          <p:cNvPr id="90" name="Picture 15" descr="Icon&#10;&#10;Description automatically generated">
-            <a:extLst>
-              <a:ext uri="{FF2B5EF4-FFF2-40B4-BE49-F238E27FC236}">
-                <a16:creationId xmlns:a16="http://schemas.microsoft.com/office/drawing/2014/main" id="{B843BD3F-6F82-4C7D-B7DB-4B86B89DD94A}"/>
-              </a:ext>
-            </a:extLst>
-          </p:cNvPr>
-          <p:cNvPicPr>
-            <a:picLocks noChangeAspect="1"/>
-          </p:cNvPicPr>
-          <p:nvPr/>
-        </p:nvPicPr>
-        <p:blipFill>
-          <a:blip r:embed="rId4"/>
-          <a:stretch>
-            <a:fillRect/>
-          </a:stretch>
-        </p:blipFill>
-        <p:spPr>
-          <a:xfrm>
-            <a:off x="11100731" y="2679656"/>
-            <a:ext cx="322162" cy="293226"/>
-          </a:xfrm>
-          <a:prstGeom prst="rect">
-            <a:avLst/>
-          </a:prstGeom>
-        </p:spPr>
-      </p:pic>
       <p:sp>
         <p:nvSpPr>
           <p:cNvPr id="2" name="Rectangle 1">
@@ -7510,6 +7360,308 @@
           <a:xfrm>
             <a:off x="11626980" y="1961198"/>
             <a:ext cx="360745" cy="351100"/>
+          </a:xfrm>
+          <a:prstGeom prst="rect">
+            <a:avLst/>
+          </a:prstGeom>
+        </p:spPr>
+      </p:pic>
+      <p:pic>
+        <p:nvPicPr>
+          <p:cNvPr id="29" name="Picture 9" descr="Icon&#10;&#10;Description automatically generated">
+            <a:extLst>
+              <a:ext uri="{FF2B5EF4-FFF2-40B4-BE49-F238E27FC236}">
+                <a16:creationId xmlns:a16="http://schemas.microsoft.com/office/drawing/2014/main" id="{2234C9CD-2B0D-4FD1-87FA-6D85F47EA190}"/>
+              </a:ext>
+            </a:extLst>
+          </p:cNvPr>
+          <p:cNvPicPr>
+            <a:picLocks noChangeAspect="1"/>
+          </p:cNvPicPr>
+          <p:nvPr/>
+        </p:nvPicPr>
+        <p:blipFill>
+          <a:blip r:embed="rId3"/>
+          <a:stretch>
+            <a:fillRect/>
+          </a:stretch>
+        </p:blipFill>
+        <p:spPr>
+          <a:xfrm>
+            <a:off x="9815801" y="1573845"/>
+            <a:ext cx="360745" cy="351100"/>
+          </a:xfrm>
+          <a:prstGeom prst="rect">
+            <a:avLst/>
+          </a:prstGeom>
+        </p:spPr>
+      </p:pic>
+      <p:pic>
+        <p:nvPicPr>
+          <p:cNvPr id="31" name="Picture 9" descr="Icon&#10;&#10;Description automatically generated">
+            <a:extLst>
+              <a:ext uri="{FF2B5EF4-FFF2-40B4-BE49-F238E27FC236}">
+                <a16:creationId xmlns:a16="http://schemas.microsoft.com/office/drawing/2014/main" id="{0E7DFFB8-4F4A-4E74-88A1-92E02B7F71D5}"/>
+              </a:ext>
+            </a:extLst>
+          </p:cNvPr>
+          <p:cNvPicPr>
+            <a:picLocks noChangeAspect="1"/>
+          </p:cNvPicPr>
+          <p:nvPr/>
+        </p:nvPicPr>
+        <p:blipFill>
+          <a:blip r:embed="rId3"/>
+          <a:stretch>
+            <a:fillRect/>
+          </a:stretch>
+        </p:blipFill>
+        <p:spPr>
+          <a:xfrm>
+            <a:off x="7631448" y="5979594"/>
+            <a:ext cx="360745" cy="351100"/>
+          </a:xfrm>
+          <a:prstGeom prst="rect">
+            <a:avLst/>
+          </a:prstGeom>
+        </p:spPr>
+      </p:pic>
+      <p:pic>
+        <p:nvPicPr>
+          <p:cNvPr id="33" name="Picture 11" descr="Icon&#10;&#10;Description automatically generated">
+            <a:extLst>
+              <a:ext uri="{FF2B5EF4-FFF2-40B4-BE49-F238E27FC236}">
+                <a16:creationId xmlns:a16="http://schemas.microsoft.com/office/drawing/2014/main" id="{EF9A73D6-E64B-429A-937C-9ED8B8C1FF26}"/>
+              </a:ext>
+            </a:extLst>
+          </p:cNvPr>
+          <p:cNvPicPr>
+            <a:picLocks noChangeAspect="1"/>
+          </p:cNvPicPr>
+          <p:nvPr/>
+        </p:nvPicPr>
+        <p:blipFill>
+          <a:blip r:embed="rId5"/>
+          <a:stretch>
+            <a:fillRect/>
+          </a:stretch>
+        </p:blipFill>
+        <p:spPr>
+          <a:xfrm>
+            <a:off x="7100670" y="5707425"/>
+            <a:ext cx="283580" cy="273935"/>
+          </a:xfrm>
+          <a:prstGeom prst="rect">
+            <a:avLst/>
+          </a:prstGeom>
+        </p:spPr>
+      </p:pic>
+      <p:sp>
+        <p:nvSpPr>
+          <p:cNvPr id="7" name="CaixaDeTexto 6">
+            <a:extLst>
+              <a:ext uri="{FF2B5EF4-FFF2-40B4-BE49-F238E27FC236}">
+                <a16:creationId xmlns:a16="http://schemas.microsoft.com/office/drawing/2014/main" id="{BA751D54-B267-442F-9F13-6A203B51B0BA}"/>
+              </a:ext>
+            </a:extLst>
+          </p:cNvPr>
+          <p:cNvSpPr txBox="1"/>
+          <p:nvPr/>
+        </p:nvSpPr>
+        <p:spPr>
+          <a:xfrm>
+            <a:off x="2463623" y="5988064"/>
+            <a:ext cx="700400" cy="369332"/>
+          </a:xfrm>
+          <a:prstGeom prst="rect">
+            <a:avLst/>
+          </a:prstGeom>
+          <a:noFill/>
+        </p:spPr>
+        <p:txBody>
+          <a:bodyPr wrap="square" rtlCol="0">
+            <a:spAutoFit/>
+          </a:bodyPr>
+          <a:lstStyle/>
+          <a:p>
+            <a:r>
+              <a:rPr lang="en-US" dirty="0"/>
+              <a:t>Java</a:t>
+            </a:r>
+            <a:endParaRPr lang="pt-BR" dirty="0"/>
+          </a:p>
+        </p:txBody>
+      </p:sp>
+      <p:pic>
+        <p:nvPicPr>
+          <p:cNvPr id="35" name="Picture 9" descr="Icon&#10;&#10;Description automatically generated">
+            <a:extLst>
+              <a:ext uri="{FF2B5EF4-FFF2-40B4-BE49-F238E27FC236}">
+                <a16:creationId xmlns:a16="http://schemas.microsoft.com/office/drawing/2014/main" id="{A96A558F-3253-4601-B0F5-3C40759E3B43}"/>
+              </a:ext>
+            </a:extLst>
+          </p:cNvPr>
+          <p:cNvPicPr>
+            <a:picLocks noChangeAspect="1"/>
+          </p:cNvPicPr>
+          <p:nvPr/>
+        </p:nvPicPr>
+        <p:blipFill>
+          <a:blip r:embed="rId3"/>
+          <a:stretch>
+            <a:fillRect/>
+          </a:stretch>
+        </p:blipFill>
+        <p:spPr>
+          <a:xfrm>
+            <a:off x="11210308" y="2616793"/>
+            <a:ext cx="360745" cy="351100"/>
+          </a:xfrm>
+          <a:prstGeom prst="rect">
+            <a:avLst/>
+          </a:prstGeom>
+        </p:spPr>
+      </p:pic>
+      <p:sp>
+        <p:nvSpPr>
+          <p:cNvPr id="36" name="CaixaDeTexto 35">
+            <a:extLst>
+              <a:ext uri="{FF2B5EF4-FFF2-40B4-BE49-F238E27FC236}">
+                <a16:creationId xmlns:a16="http://schemas.microsoft.com/office/drawing/2014/main" id="{B59285EB-5869-48F8-87DD-6E80F1411C37}"/>
+              </a:ext>
+            </a:extLst>
+          </p:cNvPr>
+          <p:cNvSpPr txBox="1"/>
+          <p:nvPr/>
+        </p:nvSpPr>
+        <p:spPr>
+          <a:xfrm>
+            <a:off x="9348855" y="3027187"/>
+            <a:ext cx="700400" cy="369332"/>
+          </a:xfrm>
+          <a:prstGeom prst="rect">
+            <a:avLst/>
+          </a:prstGeom>
+          <a:noFill/>
+        </p:spPr>
+        <p:txBody>
+          <a:bodyPr wrap="square" rtlCol="0">
+            <a:spAutoFit/>
+          </a:bodyPr>
+          <a:lstStyle/>
+          <a:p>
+            <a:r>
+              <a:rPr lang="en-US" dirty="0"/>
+              <a:t>OSHI</a:t>
+            </a:r>
+            <a:endParaRPr lang="pt-BR" dirty="0"/>
+          </a:p>
+        </p:txBody>
+      </p:sp>
+      <p:sp>
+        <p:nvSpPr>
+          <p:cNvPr id="37" name="CaixaDeTexto 36">
+            <a:extLst>
+              <a:ext uri="{FF2B5EF4-FFF2-40B4-BE49-F238E27FC236}">
+                <a16:creationId xmlns:a16="http://schemas.microsoft.com/office/drawing/2014/main" id="{0345EDB9-E235-4685-BF4A-DD8F8CA39F76}"/>
+              </a:ext>
+            </a:extLst>
+          </p:cNvPr>
+          <p:cNvSpPr txBox="1"/>
+          <p:nvPr/>
+        </p:nvSpPr>
+        <p:spPr>
+          <a:xfrm>
+            <a:off x="620947" y="4212591"/>
+            <a:ext cx="1216845" cy="369332"/>
+          </a:xfrm>
+          <a:prstGeom prst="rect">
+            <a:avLst/>
+          </a:prstGeom>
+          <a:noFill/>
+        </p:spPr>
+        <p:txBody>
+          <a:bodyPr wrap="square" rtlCol="0">
+            <a:spAutoFit/>
+          </a:bodyPr>
+          <a:lstStyle/>
+          <a:p>
+            <a:r>
+              <a:rPr lang="en-US" dirty="0"/>
+              <a:t>DISCORD</a:t>
+            </a:r>
+            <a:endParaRPr lang="pt-BR" dirty="0"/>
+          </a:p>
+        </p:txBody>
+      </p:sp>
+      <p:sp>
+        <p:nvSpPr>
+          <p:cNvPr id="38" name="CaixaDeTexto 37">
+            <a:extLst>
+              <a:ext uri="{FF2B5EF4-FFF2-40B4-BE49-F238E27FC236}">
+                <a16:creationId xmlns:a16="http://schemas.microsoft.com/office/drawing/2014/main" id="{EBE7B9B4-D09B-4707-B7CA-EBC10A90D598}"/>
+              </a:ext>
+            </a:extLst>
+          </p:cNvPr>
+          <p:cNvSpPr txBox="1"/>
+          <p:nvPr/>
+        </p:nvSpPr>
+        <p:spPr>
+          <a:xfrm>
+            <a:off x="268283" y="3934525"/>
+            <a:ext cx="1745094" cy="369332"/>
+          </a:xfrm>
+          <a:prstGeom prst="rect">
+            <a:avLst/>
+          </a:prstGeom>
+          <a:noFill/>
+        </p:spPr>
+        <p:txBody>
+          <a:bodyPr wrap="square" rtlCol="0">
+            <a:spAutoFit/>
+          </a:bodyPr>
+          <a:lstStyle/>
+          <a:p>
+            <a:r>
+              <a:rPr lang="en-US" dirty="0">
+                <a:highlight>
+                  <a:srgbClr val="FFFF00"/>
+                </a:highlight>
+              </a:rPr>
+              <a:t>FALAR GERSON</a:t>
+            </a:r>
+            <a:endParaRPr lang="pt-BR" dirty="0">
+              <a:highlight>
+                <a:srgbClr val="FFFF00"/>
+              </a:highlight>
+            </a:endParaRPr>
+          </a:p>
+        </p:txBody>
+      </p:sp>
+      <p:pic>
+        <p:nvPicPr>
+          <p:cNvPr id="39" name="Picture 15" descr="Icon&#10;&#10;Description automatically generated">
+            <a:extLst>
+              <a:ext uri="{FF2B5EF4-FFF2-40B4-BE49-F238E27FC236}">
+                <a16:creationId xmlns:a16="http://schemas.microsoft.com/office/drawing/2014/main" id="{B5F2DEF0-4089-4104-AEDD-08F1CC422A5E}"/>
+              </a:ext>
+            </a:extLst>
+          </p:cNvPr>
+          <p:cNvPicPr>
+            <a:picLocks noChangeAspect="1"/>
+          </p:cNvPicPr>
+          <p:nvPr/>
+        </p:nvPicPr>
+        <p:blipFill>
+          <a:blip r:embed="rId4"/>
+          <a:stretch>
+            <a:fillRect/>
+          </a:stretch>
+        </p:blipFill>
+        <p:spPr>
+          <a:xfrm>
+            <a:off x="7470367" y="4595665"/>
+            <a:ext cx="322162" cy="293226"/>
           </a:xfrm>
           <a:prstGeom prst="rect">
             <a:avLst/>
@@ -7985,96 +8137,6 @@
       </p:pic>
       <p:pic>
         <p:nvPicPr>
-          <p:cNvPr id="16" name="Picture 15" descr="Icon&#10;&#10;Description automatically generated">
-            <a:extLst>
-              <a:ext uri="{FF2B5EF4-FFF2-40B4-BE49-F238E27FC236}">
-                <a16:creationId xmlns:a16="http://schemas.microsoft.com/office/drawing/2014/main" id="{3D4B42A6-425A-405C-80CF-C1BC7F34B69F}"/>
-              </a:ext>
-            </a:extLst>
-          </p:cNvPr>
-          <p:cNvPicPr>
-            <a:picLocks noChangeAspect="1"/>
-          </p:cNvPicPr>
-          <p:nvPr/>
-        </p:nvPicPr>
-        <p:blipFill>
-          <a:blip r:embed="rId4"/>
-          <a:stretch>
-            <a:fillRect/>
-          </a:stretch>
-        </p:blipFill>
-        <p:spPr>
-          <a:xfrm>
-            <a:off x="4249630" y="3818550"/>
-            <a:ext cx="312517" cy="302871"/>
-          </a:xfrm>
-          <a:prstGeom prst="rect">
-            <a:avLst/>
-          </a:prstGeom>
-        </p:spPr>
-      </p:pic>
-      <p:pic>
-        <p:nvPicPr>
-          <p:cNvPr id="17" name="Picture 15" descr="Icon&#10;&#10;Description automatically generated">
-            <a:extLst>
-              <a:ext uri="{FF2B5EF4-FFF2-40B4-BE49-F238E27FC236}">
-                <a16:creationId xmlns:a16="http://schemas.microsoft.com/office/drawing/2014/main" id="{017C4B1D-6309-4308-9D06-521C02871999}"/>
-              </a:ext>
-            </a:extLst>
-          </p:cNvPr>
-          <p:cNvPicPr>
-            <a:picLocks noChangeAspect="1"/>
-          </p:cNvPicPr>
-          <p:nvPr/>
-        </p:nvPicPr>
-        <p:blipFill>
-          <a:blip r:embed="rId4"/>
-          <a:stretch>
-            <a:fillRect/>
-          </a:stretch>
-        </p:blipFill>
-        <p:spPr>
-          <a:xfrm>
-            <a:off x="6923846" y="3429000"/>
-            <a:ext cx="312517" cy="302871"/>
-          </a:xfrm>
-          <a:prstGeom prst="rect">
-            <a:avLst/>
-          </a:prstGeom>
-        </p:spPr>
-      </p:pic>
-      <p:pic>
-        <p:nvPicPr>
-          <p:cNvPr id="18" name="Picture 15" descr="Icon&#10;&#10;Description automatically generated">
-            <a:extLst>
-              <a:ext uri="{FF2B5EF4-FFF2-40B4-BE49-F238E27FC236}">
-                <a16:creationId xmlns:a16="http://schemas.microsoft.com/office/drawing/2014/main" id="{BDFE947F-5F01-4E0E-9C94-EC77C73C54B9}"/>
-              </a:ext>
-            </a:extLst>
-          </p:cNvPr>
-          <p:cNvPicPr>
-            <a:picLocks noChangeAspect="1"/>
-          </p:cNvPicPr>
-          <p:nvPr/>
-        </p:nvPicPr>
-        <p:blipFill>
-          <a:blip r:embed="rId4"/>
-          <a:stretch>
-            <a:fillRect/>
-          </a:stretch>
-        </p:blipFill>
-        <p:spPr>
-          <a:xfrm>
-            <a:off x="9001245" y="3026518"/>
-            <a:ext cx="312517" cy="302871"/>
-          </a:xfrm>
-          <a:prstGeom prst="rect">
-            <a:avLst/>
-          </a:prstGeom>
-        </p:spPr>
-      </p:pic>
-      <p:pic>
-        <p:nvPicPr>
           <p:cNvPr id="2" name="Picture 9" descr="Icon&#10;&#10;Description automatically generated">
             <a:extLst>
               <a:ext uri="{FF2B5EF4-FFF2-40B4-BE49-F238E27FC236}">
@@ -8126,6 +8188,96 @@
         <p:spPr>
           <a:xfrm>
             <a:off x="6242613" y="4897175"/>
+            <a:ext cx="283580" cy="273935"/>
+          </a:xfrm>
+          <a:prstGeom prst="rect">
+            <a:avLst/>
+          </a:prstGeom>
+        </p:spPr>
+      </p:pic>
+      <p:pic>
+        <p:nvPicPr>
+          <p:cNvPr id="20" name="Picture 9" descr="Icon&#10;&#10;Description automatically generated">
+            <a:extLst>
+              <a:ext uri="{FF2B5EF4-FFF2-40B4-BE49-F238E27FC236}">
+                <a16:creationId xmlns:a16="http://schemas.microsoft.com/office/drawing/2014/main" id="{30B33C22-E600-4775-92C1-B0320E5286D3}"/>
+              </a:ext>
+            </a:extLst>
+          </p:cNvPr>
+          <p:cNvPicPr>
+            <a:picLocks noChangeAspect="1"/>
+          </p:cNvPicPr>
+          <p:nvPr/>
+        </p:nvPicPr>
+        <p:blipFill>
+          <a:blip r:embed="rId3"/>
+          <a:stretch>
+            <a:fillRect/>
+          </a:stretch>
+        </p:blipFill>
+        <p:spPr>
+          <a:xfrm>
+            <a:off x="4312108" y="3789740"/>
+            <a:ext cx="360745" cy="351100"/>
+          </a:xfrm>
+          <a:prstGeom prst="rect">
+            <a:avLst/>
+          </a:prstGeom>
+        </p:spPr>
+      </p:pic>
+      <p:pic>
+        <p:nvPicPr>
+          <p:cNvPr id="24" name="Picture 9" descr="Icon&#10;&#10;Description automatically generated">
+            <a:extLst>
+              <a:ext uri="{FF2B5EF4-FFF2-40B4-BE49-F238E27FC236}">
+                <a16:creationId xmlns:a16="http://schemas.microsoft.com/office/drawing/2014/main" id="{FF855DB7-002C-4EAC-89F4-5E739B7EF127}"/>
+              </a:ext>
+            </a:extLst>
+          </p:cNvPr>
+          <p:cNvPicPr>
+            <a:picLocks noChangeAspect="1"/>
+          </p:cNvPicPr>
+          <p:nvPr/>
+        </p:nvPicPr>
+        <p:blipFill>
+          <a:blip r:embed="rId3"/>
+          <a:stretch>
+            <a:fillRect/>
+          </a:stretch>
+        </p:blipFill>
+        <p:spPr>
+          <a:xfrm>
+            <a:off x="6969169" y="3329389"/>
+            <a:ext cx="360745" cy="351100"/>
+          </a:xfrm>
+          <a:prstGeom prst="rect">
+            <a:avLst/>
+          </a:prstGeom>
+        </p:spPr>
+      </p:pic>
+      <p:pic>
+        <p:nvPicPr>
+          <p:cNvPr id="25" name="Picture 11" descr="Icon&#10;&#10;Description automatically generated">
+            <a:extLst>
+              <a:ext uri="{FF2B5EF4-FFF2-40B4-BE49-F238E27FC236}">
+                <a16:creationId xmlns:a16="http://schemas.microsoft.com/office/drawing/2014/main" id="{E83583A9-550E-4028-A4C3-FB97DDAC0A02}"/>
+              </a:ext>
+            </a:extLst>
+          </p:cNvPr>
+          <p:cNvPicPr>
+            <a:picLocks noChangeAspect="1"/>
+          </p:cNvPicPr>
+          <p:nvPr/>
+        </p:nvPicPr>
+        <p:blipFill>
+          <a:blip r:embed="rId5"/>
+          <a:stretch>
+            <a:fillRect/>
+          </a:stretch>
+        </p:blipFill>
+        <p:spPr>
+          <a:xfrm>
+            <a:off x="9001245" y="3055454"/>
             <a:ext cx="283580" cy="273935"/>
           </a:xfrm>
           <a:prstGeom prst="rect">
